--- a/image_sources/images.pptx
+++ b/image_sources/images.pptx
@@ -6,6 +6,7 @@
   </p:sldMasterIdLst>
   <p:sldIdLst>
     <p:sldId id="256" r:id="rId2"/>
+    <p:sldId id="257" r:id="rId3"/>
   </p:sldIdLst>
   <p:sldSz cx="9144000" cy="6858000" type="screen4x3"/>
   <p:notesSz cx="6858000" cy="9144000"/>
@@ -288,7 +289,7 @@
           <a:p>
             <a:fld id="{68DAA921-9732-4FD7-93C2-6CA88F8B2C60}" type="datetimeFigureOut">
               <a:rPr lang="en-US" smtClean="0"/>
-              <a:t>11/6/2018</a:t>
+              <a:t>11/10/2018</a:t>
             </a:fld>
             <a:endParaRPr lang="en-US"/>
           </a:p>
@@ -458,7 +459,7 @@
           <a:p>
             <a:fld id="{68DAA921-9732-4FD7-93C2-6CA88F8B2C60}" type="datetimeFigureOut">
               <a:rPr lang="en-US" smtClean="0"/>
-              <a:t>11/6/2018</a:t>
+              <a:t>11/10/2018</a:t>
             </a:fld>
             <a:endParaRPr lang="en-US"/>
           </a:p>
@@ -638,7 +639,7 @@
           <a:p>
             <a:fld id="{68DAA921-9732-4FD7-93C2-6CA88F8B2C60}" type="datetimeFigureOut">
               <a:rPr lang="en-US" smtClean="0"/>
-              <a:t>11/6/2018</a:t>
+              <a:t>11/10/2018</a:t>
             </a:fld>
             <a:endParaRPr lang="en-US"/>
           </a:p>
@@ -808,7 +809,7 @@
           <a:p>
             <a:fld id="{68DAA921-9732-4FD7-93C2-6CA88F8B2C60}" type="datetimeFigureOut">
               <a:rPr lang="en-US" smtClean="0"/>
-              <a:t>11/6/2018</a:t>
+              <a:t>11/10/2018</a:t>
             </a:fld>
             <a:endParaRPr lang="en-US"/>
           </a:p>
@@ -1054,7 +1055,7 @@
           <a:p>
             <a:fld id="{68DAA921-9732-4FD7-93C2-6CA88F8B2C60}" type="datetimeFigureOut">
               <a:rPr lang="en-US" smtClean="0"/>
-              <a:t>11/6/2018</a:t>
+              <a:t>11/10/2018</a:t>
             </a:fld>
             <a:endParaRPr lang="en-US"/>
           </a:p>
@@ -1342,7 +1343,7 @@
           <a:p>
             <a:fld id="{68DAA921-9732-4FD7-93C2-6CA88F8B2C60}" type="datetimeFigureOut">
               <a:rPr lang="en-US" smtClean="0"/>
-              <a:t>11/6/2018</a:t>
+              <a:t>11/10/2018</a:t>
             </a:fld>
             <a:endParaRPr lang="en-US"/>
           </a:p>
@@ -1764,7 +1765,7 @@
           <a:p>
             <a:fld id="{68DAA921-9732-4FD7-93C2-6CA88F8B2C60}" type="datetimeFigureOut">
               <a:rPr lang="en-US" smtClean="0"/>
-              <a:t>11/6/2018</a:t>
+              <a:t>11/10/2018</a:t>
             </a:fld>
             <a:endParaRPr lang="en-US"/>
           </a:p>
@@ -1882,7 +1883,7 @@
           <a:p>
             <a:fld id="{68DAA921-9732-4FD7-93C2-6CA88F8B2C60}" type="datetimeFigureOut">
               <a:rPr lang="en-US" smtClean="0"/>
-              <a:t>11/6/2018</a:t>
+              <a:t>11/10/2018</a:t>
             </a:fld>
             <a:endParaRPr lang="en-US"/>
           </a:p>
@@ -1977,7 +1978,7 @@
           <a:p>
             <a:fld id="{68DAA921-9732-4FD7-93C2-6CA88F8B2C60}" type="datetimeFigureOut">
               <a:rPr lang="en-US" smtClean="0"/>
-              <a:t>11/6/2018</a:t>
+              <a:t>11/10/2018</a:t>
             </a:fld>
             <a:endParaRPr lang="en-US"/>
           </a:p>
@@ -2254,7 +2255,7 @@
           <a:p>
             <a:fld id="{68DAA921-9732-4FD7-93C2-6CA88F8B2C60}" type="datetimeFigureOut">
               <a:rPr lang="en-US" smtClean="0"/>
-              <a:t>11/6/2018</a:t>
+              <a:t>11/10/2018</a:t>
             </a:fld>
             <a:endParaRPr lang="en-US"/>
           </a:p>
@@ -2507,7 +2508,7 @@
           <a:p>
             <a:fld id="{68DAA921-9732-4FD7-93C2-6CA88F8B2C60}" type="datetimeFigureOut">
               <a:rPr lang="en-US" smtClean="0"/>
-              <a:t>11/6/2018</a:t>
+              <a:t>11/10/2018</a:t>
             </a:fld>
             <a:endParaRPr lang="en-US"/>
           </a:p>
@@ -2720,7 +2721,7 @@
           <a:p>
             <a:fld id="{68DAA921-9732-4FD7-93C2-6CA88F8B2C60}" type="datetimeFigureOut">
               <a:rPr lang="en-US" smtClean="0"/>
-              <a:t>11/6/2018</a:t>
+              <a:t>11/10/2018</a:t>
             </a:fld>
             <a:endParaRPr lang="en-US"/>
           </a:p>
@@ -3095,434 +3096,720 @@
           <a:chExt cx="0" cy="0"/>
         </a:xfrm>
       </p:grpSpPr>
-      <p:grpSp>
-        <p:nvGrpSpPr>
-          <p:cNvPr id="52" name="Group 51"/>
-          <p:cNvGrpSpPr/>
+      <p:sp>
+        <p:nvSpPr>
+          <p:cNvPr id="4" name="Flowchart: Manual Operation 3"/>
+          <p:cNvSpPr/>
           <p:nvPr/>
-        </p:nvGrpSpPr>
-        <p:grpSpPr>
+        </p:nvSpPr>
+        <p:spPr>
           <a:xfrm>
-            <a:off x="76200" y="326561"/>
-            <a:ext cx="7010400" cy="3254839"/>
-            <a:chOff x="76200" y="326561"/>
-            <a:chExt cx="7010400" cy="3254839"/>
+            <a:off x="76200" y="3009900"/>
+            <a:ext cx="3200400" cy="114300"/>
           </a:xfrm>
-        </p:grpSpPr>
-        <p:sp>
-          <p:nvSpPr>
-            <p:cNvPr id="4" name="Flowchart: Manual Operation 3"/>
-            <p:cNvSpPr/>
-            <p:nvPr/>
-          </p:nvSpPr>
-          <p:spPr>
-            <a:xfrm>
-              <a:off x="76200" y="3009900"/>
-              <a:ext cx="3200400" cy="114300"/>
-            </a:xfrm>
-            <a:prstGeom prst="flowChartManualOperation">
-              <a:avLst/>
-            </a:prstGeom>
+          <a:prstGeom prst="flowChartManualOperation">
+            <a:avLst/>
+          </a:prstGeom>
+          <a:solidFill>
+            <a:schemeClr val="tx1"/>
+          </a:solidFill>
+          <a:ln>
             <a:solidFill>
               <a:schemeClr val="tx1"/>
             </a:solidFill>
-            <a:ln>
+          </a:ln>
+        </p:spPr>
+        <p:style>
+          <a:lnRef idx="2">
+            <a:schemeClr val="accent1">
+              <a:shade val="50000"/>
+            </a:schemeClr>
+          </a:lnRef>
+          <a:fillRef idx="1">
+            <a:schemeClr val="accent1"/>
+          </a:fillRef>
+          <a:effectRef idx="0">
+            <a:schemeClr val="accent1"/>
+          </a:effectRef>
+          <a:fontRef idx="minor">
+            <a:schemeClr val="lt1"/>
+          </a:fontRef>
+        </p:style>
+        <p:txBody>
+          <a:bodyPr rtlCol="0" anchor="ctr"/>
+          <a:lstStyle/>
+          <a:p>
+            <a:pPr algn="ctr"/>
+            <a:endParaRPr lang="en-US">
               <a:solidFill>
                 <a:schemeClr val="tx1"/>
               </a:solidFill>
-            </a:ln>
-          </p:spPr>
-          <p:style>
-            <a:lnRef idx="2">
-              <a:schemeClr val="accent1">
-                <a:shade val="50000"/>
-              </a:schemeClr>
-            </a:lnRef>
-            <a:fillRef idx="1">
-              <a:schemeClr val="accent1"/>
-            </a:fillRef>
-            <a:effectRef idx="0">
-              <a:schemeClr val="accent1"/>
-            </a:effectRef>
-            <a:fontRef idx="minor">
-              <a:schemeClr val="lt1"/>
-            </a:fontRef>
-          </p:style>
-          <p:txBody>
-            <a:bodyPr rtlCol="0" anchor="ctr"/>
-            <a:lstStyle/>
-            <a:p>
-              <a:pPr algn="ctr"/>
-              <a:endParaRPr lang="en-US">
-                <a:solidFill>
-                  <a:schemeClr val="tx1"/>
-                </a:solidFill>
-              </a:endParaRPr>
-            </a:p>
-          </p:txBody>
-        </p:sp>
-        <p:cxnSp>
-          <p:nvCxnSpPr>
-            <p:cNvPr id="7" name="Straight Connector 6"/>
-            <p:cNvCxnSpPr>
-              <a:endCxn id="8" idx="0"/>
-            </p:cNvCxnSpPr>
-            <p:nvPr/>
-          </p:nvCxnSpPr>
-          <p:spPr>
-            <a:xfrm>
-              <a:off x="3521527" y="326561"/>
-              <a:ext cx="0" cy="3140539"/>
-            </a:xfrm>
-            <a:prstGeom prst="line">
-              <a:avLst/>
-            </a:prstGeom>
-            <a:ln w="38100">
+            </a:endParaRPr>
+          </a:p>
+        </p:txBody>
+      </p:sp>
+      <p:cxnSp>
+        <p:nvCxnSpPr>
+          <p:cNvPr id="7" name="Straight Connector 6"/>
+          <p:cNvCxnSpPr>
+            <a:endCxn id="8" idx="0"/>
+          </p:cNvCxnSpPr>
+          <p:nvPr/>
+        </p:nvCxnSpPr>
+        <p:spPr>
+          <a:xfrm>
+            <a:off x="3521527" y="326561"/>
+            <a:ext cx="0" cy="3140539"/>
+          </a:xfrm>
+          <a:prstGeom prst="line">
+            <a:avLst/>
+          </a:prstGeom>
+          <a:ln w="38100">
+            <a:solidFill>
+              <a:schemeClr val="tx1"/>
+            </a:solidFill>
+          </a:ln>
+        </p:spPr>
+        <p:style>
+          <a:lnRef idx="1">
+            <a:schemeClr val="accent1"/>
+          </a:lnRef>
+          <a:fillRef idx="0">
+            <a:schemeClr val="accent1"/>
+          </a:fillRef>
+          <a:effectRef idx="0">
+            <a:schemeClr val="accent1"/>
+          </a:effectRef>
+          <a:fontRef idx="minor">
+            <a:schemeClr val="tx1"/>
+          </a:fontRef>
+        </p:style>
+      </p:cxnSp>
+      <p:sp>
+        <p:nvSpPr>
+          <p:cNvPr id="8" name="Flowchart: Manual Operation 7"/>
+          <p:cNvSpPr/>
+          <p:nvPr/>
+        </p:nvSpPr>
+        <p:spPr>
+          <a:xfrm>
+            <a:off x="2873827" y="3467100"/>
+            <a:ext cx="1295400" cy="114300"/>
+          </a:xfrm>
+          <a:prstGeom prst="flowChartManualOperation">
+            <a:avLst/>
+          </a:prstGeom>
+          <a:solidFill>
+            <a:schemeClr val="tx1"/>
+          </a:solidFill>
+          <a:ln>
+            <a:solidFill>
+              <a:schemeClr val="tx1"/>
+            </a:solidFill>
+          </a:ln>
+          <a:scene3d>
+            <a:camera prst="orthographicFront">
+              <a:rot lat="0" lon="0" rev="10800000"/>
+            </a:camera>
+            <a:lightRig rig="threePt" dir="t"/>
+          </a:scene3d>
+        </p:spPr>
+        <p:style>
+          <a:lnRef idx="2">
+            <a:schemeClr val="accent1">
+              <a:shade val="50000"/>
+            </a:schemeClr>
+          </a:lnRef>
+          <a:fillRef idx="1">
+            <a:schemeClr val="accent1"/>
+          </a:fillRef>
+          <a:effectRef idx="0">
+            <a:schemeClr val="accent1"/>
+          </a:effectRef>
+          <a:fontRef idx="minor">
+            <a:schemeClr val="lt1"/>
+          </a:fontRef>
+        </p:style>
+        <p:txBody>
+          <a:bodyPr rtlCol="0" anchor="ctr"/>
+          <a:lstStyle/>
+          <a:p>
+            <a:pPr algn="ctr"/>
+            <a:endParaRPr lang="en-US">
               <a:solidFill>
                 <a:schemeClr val="tx1"/>
               </a:solidFill>
-            </a:ln>
-          </p:spPr>
-          <p:style>
-            <a:lnRef idx="1">
-              <a:schemeClr val="accent1"/>
-            </a:lnRef>
-            <a:fillRef idx="0">
-              <a:schemeClr val="accent1"/>
-            </a:fillRef>
-            <a:effectRef idx="0">
-              <a:schemeClr val="accent1"/>
-            </a:effectRef>
-            <a:fontRef idx="minor">
-              <a:schemeClr val="tx1"/>
-            </a:fontRef>
-          </p:style>
-        </p:cxnSp>
-        <p:sp>
-          <p:nvSpPr>
-            <p:cNvPr id="8" name="Flowchart: Manual Operation 7"/>
-            <p:cNvSpPr/>
-            <p:nvPr/>
-          </p:nvSpPr>
-          <p:spPr>
-            <a:xfrm>
-              <a:off x="2873827" y="3467100"/>
-              <a:ext cx="1295400" cy="114300"/>
-            </a:xfrm>
-            <a:prstGeom prst="flowChartManualOperation">
-              <a:avLst/>
-            </a:prstGeom>
+            </a:endParaRPr>
+          </a:p>
+        </p:txBody>
+      </p:sp>
+      <p:cxnSp>
+        <p:nvCxnSpPr>
+          <p:cNvPr id="10" name="Straight Connector 9"/>
+          <p:cNvCxnSpPr/>
+          <p:nvPr/>
+        </p:nvCxnSpPr>
+        <p:spPr>
+          <a:xfrm flipH="1">
+            <a:off x="1676400" y="326562"/>
+            <a:ext cx="1845127" cy="381001"/>
+          </a:xfrm>
+          <a:prstGeom prst="line">
+            <a:avLst/>
+          </a:prstGeom>
+          <a:ln w="38100">
             <a:solidFill>
               <a:schemeClr val="tx1"/>
             </a:solidFill>
-            <a:ln>
+          </a:ln>
+        </p:spPr>
+        <p:style>
+          <a:lnRef idx="1">
+            <a:schemeClr val="accent1"/>
+          </a:lnRef>
+          <a:fillRef idx="0">
+            <a:schemeClr val="accent1"/>
+          </a:fillRef>
+          <a:effectRef idx="0">
+            <a:schemeClr val="accent1"/>
+          </a:effectRef>
+          <a:fontRef idx="minor">
+            <a:schemeClr val="tx1"/>
+          </a:fontRef>
+        </p:style>
+      </p:cxnSp>
+      <p:cxnSp>
+        <p:nvCxnSpPr>
+          <p:cNvPr id="11" name="Straight Connector 10"/>
+          <p:cNvCxnSpPr/>
+          <p:nvPr/>
+        </p:nvCxnSpPr>
+        <p:spPr>
+          <a:xfrm flipH="1" flipV="1">
+            <a:off x="3521527" y="326562"/>
+            <a:ext cx="1964873" cy="381001"/>
+          </a:xfrm>
+          <a:prstGeom prst="line">
+            <a:avLst/>
+          </a:prstGeom>
+          <a:ln w="38100">
+            <a:solidFill>
+              <a:schemeClr val="tx1"/>
+            </a:solidFill>
+          </a:ln>
+        </p:spPr>
+        <p:style>
+          <a:lnRef idx="1">
+            <a:schemeClr val="accent1"/>
+          </a:lnRef>
+          <a:fillRef idx="0">
+            <a:schemeClr val="accent1"/>
+          </a:fillRef>
+          <a:effectRef idx="0">
+            <a:schemeClr val="accent1"/>
+          </a:effectRef>
+          <a:fontRef idx="minor">
+            <a:schemeClr val="tx1"/>
+          </a:fontRef>
+        </p:style>
+      </p:cxnSp>
+      <p:cxnSp>
+        <p:nvCxnSpPr>
+          <p:cNvPr id="19" name="Straight Connector 18"/>
+          <p:cNvCxnSpPr/>
+          <p:nvPr/>
+        </p:nvCxnSpPr>
+        <p:spPr>
+          <a:xfrm flipH="1">
+            <a:off x="76200" y="707563"/>
+            <a:ext cx="1600200" cy="2307780"/>
+          </a:xfrm>
+          <a:prstGeom prst="line">
+            <a:avLst/>
+          </a:prstGeom>
+          <a:ln w="12700">
+            <a:solidFill>
+              <a:schemeClr val="tx1"/>
+            </a:solidFill>
+          </a:ln>
+        </p:spPr>
+        <p:style>
+          <a:lnRef idx="1">
+            <a:schemeClr val="accent1"/>
+          </a:lnRef>
+          <a:fillRef idx="0">
+            <a:schemeClr val="accent1"/>
+          </a:fillRef>
+          <a:effectRef idx="0">
+            <a:schemeClr val="accent1"/>
+          </a:effectRef>
+          <a:fontRef idx="minor">
+            <a:schemeClr val="tx1"/>
+          </a:fontRef>
+        </p:style>
+      </p:cxnSp>
+      <p:sp>
+        <p:nvSpPr>
+          <p:cNvPr id="40" name="Flowchart: Manual Operation 39"/>
+          <p:cNvSpPr/>
+          <p:nvPr/>
+        </p:nvSpPr>
+        <p:spPr>
+          <a:xfrm>
+            <a:off x="3886200" y="3015343"/>
+            <a:ext cx="3200400" cy="114300"/>
+          </a:xfrm>
+          <a:prstGeom prst="flowChartManualOperation">
+            <a:avLst/>
+          </a:prstGeom>
+          <a:solidFill>
+            <a:schemeClr val="tx1"/>
+          </a:solidFill>
+          <a:ln>
+            <a:solidFill>
+              <a:schemeClr val="tx1"/>
+            </a:solidFill>
+          </a:ln>
+        </p:spPr>
+        <p:style>
+          <a:lnRef idx="2">
+            <a:schemeClr val="accent1">
+              <a:shade val="50000"/>
+            </a:schemeClr>
+          </a:lnRef>
+          <a:fillRef idx="1">
+            <a:schemeClr val="accent1"/>
+          </a:fillRef>
+          <a:effectRef idx="0">
+            <a:schemeClr val="accent1"/>
+          </a:effectRef>
+          <a:fontRef idx="minor">
+            <a:schemeClr val="lt1"/>
+          </a:fontRef>
+        </p:style>
+        <p:txBody>
+          <a:bodyPr rtlCol="0" anchor="ctr"/>
+          <a:lstStyle/>
+          <a:p>
+            <a:pPr algn="ctr"/>
+            <a:endParaRPr lang="en-US">
               <a:solidFill>
                 <a:schemeClr val="tx1"/>
               </a:solidFill>
-            </a:ln>
-            <a:scene3d>
-              <a:camera prst="orthographicFront">
-                <a:rot lat="0" lon="0" rev="10800000"/>
-              </a:camera>
-              <a:lightRig rig="threePt" dir="t"/>
-            </a:scene3d>
-          </p:spPr>
-          <p:style>
-            <a:lnRef idx="2">
-              <a:schemeClr val="accent1">
-                <a:shade val="50000"/>
-              </a:schemeClr>
-            </a:lnRef>
-            <a:fillRef idx="1">
-              <a:schemeClr val="accent1"/>
-            </a:fillRef>
-            <a:effectRef idx="0">
-              <a:schemeClr val="accent1"/>
-            </a:effectRef>
-            <a:fontRef idx="minor">
-              <a:schemeClr val="lt1"/>
-            </a:fontRef>
-          </p:style>
-          <p:txBody>
-            <a:bodyPr rtlCol="0" anchor="ctr"/>
-            <a:lstStyle/>
-            <a:p>
-              <a:pPr algn="ctr"/>
-              <a:endParaRPr lang="en-US">
-                <a:solidFill>
-                  <a:schemeClr val="tx1"/>
-                </a:solidFill>
-              </a:endParaRPr>
-            </a:p>
-          </p:txBody>
-        </p:sp>
-        <p:cxnSp>
-          <p:nvCxnSpPr>
-            <p:cNvPr id="10" name="Straight Connector 9"/>
-            <p:cNvCxnSpPr/>
-            <p:nvPr/>
-          </p:nvCxnSpPr>
-          <p:spPr>
-            <a:xfrm flipH="1">
-              <a:off x="1676400" y="326562"/>
-              <a:ext cx="1845127" cy="381001"/>
-            </a:xfrm>
-            <a:prstGeom prst="line">
-              <a:avLst/>
-            </a:prstGeom>
-            <a:ln w="38100">
-              <a:solidFill>
-                <a:schemeClr val="tx1"/>
-              </a:solidFill>
-            </a:ln>
-          </p:spPr>
-          <p:style>
-            <a:lnRef idx="1">
-              <a:schemeClr val="accent1"/>
-            </a:lnRef>
-            <a:fillRef idx="0">
-              <a:schemeClr val="accent1"/>
-            </a:fillRef>
-            <a:effectRef idx="0">
-              <a:schemeClr val="accent1"/>
-            </a:effectRef>
-            <a:fontRef idx="minor">
-              <a:schemeClr val="tx1"/>
-            </a:fontRef>
-          </p:style>
-        </p:cxnSp>
-        <p:cxnSp>
-          <p:nvCxnSpPr>
-            <p:cNvPr id="11" name="Straight Connector 10"/>
-            <p:cNvCxnSpPr/>
-            <p:nvPr/>
-          </p:nvCxnSpPr>
-          <p:spPr>
-            <a:xfrm flipH="1" flipV="1">
-              <a:off x="3521527" y="326562"/>
-              <a:ext cx="1964873" cy="381001"/>
-            </a:xfrm>
-            <a:prstGeom prst="line">
-              <a:avLst/>
-            </a:prstGeom>
-            <a:ln w="38100">
-              <a:solidFill>
-                <a:schemeClr val="tx1"/>
-              </a:solidFill>
-            </a:ln>
-          </p:spPr>
-          <p:style>
-            <a:lnRef idx="1">
-              <a:schemeClr val="accent1"/>
-            </a:lnRef>
-            <a:fillRef idx="0">
-              <a:schemeClr val="accent1"/>
-            </a:fillRef>
-            <a:effectRef idx="0">
-              <a:schemeClr val="accent1"/>
-            </a:effectRef>
-            <a:fontRef idx="minor">
-              <a:schemeClr val="tx1"/>
-            </a:fontRef>
-          </p:style>
-        </p:cxnSp>
-        <p:cxnSp>
-          <p:nvCxnSpPr>
-            <p:cNvPr id="19" name="Straight Connector 18"/>
-            <p:cNvCxnSpPr/>
-            <p:nvPr/>
-          </p:nvCxnSpPr>
-          <p:spPr>
-            <a:xfrm flipH="1">
-              <a:off x="76200" y="707563"/>
-              <a:ext cx="1600200" cy="2307780"/>
-            </a:xfrm>
-            <a:prstGeom prst="line">
-              <a:avLst/>
-            </a:prstGeom>
-            <a:ln w="12700">
-              <a:solidFill>
-                <a:schemeClr val="tx1"/>
-              </a:solidFill>
-            </a:ln>
-          </p:spPr>
-          <p:style>
-            <a:lnRef idx="1">
-              <a:schemeClr val="accent1"/>
-            </a:lnRef>
-            <a:fillRef idx="0">
-              <a:schemeClr val="accent1"/>
-            </a:fillRef>
-            <a:effectRef idx="0">
-              <a:schemeClr val="accent1"/>
-            </a:effectRef>
-            <a:fontRef idx="minor">
-              <a:schemeClr val="tx1"/>
-            </a:fontRef>
-          </p:style>
-        </p:cxnSp>
-        <p:sp>
-          <p:nvSpPr>
-            <p:cNvPr id="40" name="Flowchart: Manual Operation 39"/>
-            <p:cNvSpPr/>
-            <p:nvPr/>
-          </p:nvSpPr>
-          <p:spPr>
-            <a:xfrm>
-              <a:off x="3886200" y="3015343"/>
-              <a:ext cx="3200400" cy="114300"/>
-            </a:xfrm>
-            <a:prstGeom prst="flowChartManualOperation">
-              <a:avLst/>
-            </a:prstGeom>
+            </a:endParaRPr>
+          </a:p>
+        </p:txBody>
+      </p:sp>
+      <p:cxnSp>
+        <p:nvCxnSpPr>
+          <p:cNvPr id="43" name="Straight Connector 42"/>
+          <p:cNvCxnSpPr/>
+          <p:nvPr/>
+        </p:nvCxnSpPr>
+        <p:spPr>
+          <a:xfrm>
+            <a:off x="1676400" y="707563"/>
+            <a:ext cx="1600200" cy="2307780"/>
+          </a:xfrm>
+          <a:prstGeom prst="line">
+            <a:avLst/>
+          </a:prstGeom>
+          <a:ln w="12700">
             <a:solidFill>
               <a:schemeClr val="tx1"/>
             </a:solidFill>
-            <a:ln>
-              <a:solidFill>
-                <a:schemeClr val="tx1"/>
-              </a:solidFill>
-            </a:ln>
-          </p:spPr>
-          <p:style>
-            <a:lnRef idx="2">
-              <a:schemeClr val="accent1">
-                <a:shade val="50000"/>
-              </a:schemeClr>
-            </a:lnRef>
-            <a:fillRef idx="1">
-              <a:schemeClr val="accent1"/>
-            </a:fillRef>
-            <a:effectRef idx="0">
-              <a:schemeClr val="accent1"/>
-            </a:effectRef>
-            <a:fontRef idx="minor">
-              <a:schemeClr val="lt1"/>
-            </a:fontRef>
-          </p:style>
-          <p:txBody>
-            <a:bodyPr rtlCol="0" anchor="ctr"/>
-            <a:lstStyle/>
-            <a:p>
-              <a:pPr algn="ctr"/>
-              <a:endParaRPr lang="en-US">
-                <a:solidFill>
-                  <a:schemeClr val="tx1"/>
-                </a:solidFill>
-              </a:endParaRPr>
-            </a:p>
-          </p:txBody>
-        </p:sp>
-        <p:cxnSp>
-          <p:nvCxnSpPr>
-            <p:cNvPr id="43" name="Straight Connector 42"/>
-            <p:cNvCxnSpPr/>
-            <p:nvPr/>
-          </p:nvCxnSpPr>
-          <p:spPr>
-            <a:xfrm>
-              <a:off x="1676400" y="707563"/>
-              <a:ext cx="1600200" cy="2307780"/>
-            </a:xfrm>
-            <a:prstGeom prst="line">
-              <a:avLst/>
-            </a:prstGeom>
-            <a:ln w="12700">
-              <a:solidFill>
-                <a:schemeClr val="tx1"/>
-              </a:solidFill>
-            </a:ln>
-          </p:spPr>
-          <p:style>
-            <a:lnRef idx="1">
-              <a:schemeClr val="accent1"/>
-            </a:lnRef>
-            <a:fillRef idx="0">
-              <a:schemeClr val="accent1"/>
-            </a:fillRef>
-            <a:effectRef idx="0">
-              <a:schemeClr val="accent1"/>
-            </a:effectRef>
-            <a:fontRef idx="minor">
+          </a:ln>
+        </p:spPr>
+        <p:style>
+          <a:lnRef idx="1">
+            <a:schemeClr val="accent1"/>
+          </a:lnRef>
+          <a:fillRef idx="0">
+            <a:schemeClr val="accent1"/>
+          </a:fillRef>
+          <a:effectRef idx="0">
+            <a:schemeClr val="accent1"/>
+          </a:effectRef>
+          <a:fontRef idx="minor">
+            <a:schemeClr val="tx1"/>
+          </a:fontRef>
+        </p:style>
+      </p:cxnSp>
+      <p:cxnSp>
+        <p:nvCxnSpPr>
+          <p:cNvPr id="46" name="Straight Connector 45"/>
+          <p:cNvCxnSpPr/>
+          <p:nvPr/>
+        </p:nvCxnSpPr>
+        <p:spPr>
+          <a:xfrm flipH="1">
+            <a:off x="3886200" y="696677"/>
+            <a:ext cx="1600200" cy="2307780"/>
+          </a:xfrm>
+          <a:prstGeom prst="line">
+            <a:avLst/>
+          </a:prstGeom>
+          <a:ln w="12700">
+            <a:solidFill>
               <a:schemeClr val="tx1"/>
-            </a:fontRef>
-          </p:style>
-        </p:cxnSp>
-        <p:cxnSp>
-          <p:nvCxnSpPr>
-            <p:cNvPr id="46" name="Straight Connector 45"/>
-            <p:cNvCxnSpPr/>
-            <p:nvPr/>
-          </p:nvCxnSpPr>
-          <p:spPr>
-            <a:xfrm flipH="1">
-              <a:off x="3886200" y="696677"/>
-              <a:ext cx="1600200" cy="2307780"/>
-            </a:xfrm>
-            <a:prstGeom prst="line">
-              <a:avLst/>
-            </a:prstGeom>
-            <a:ln w="12700">
-              <a:solidFill>
-                <a:schemeClr val="tx1"/>
-              </a:solidFill>
-            </a:ln>
-          </p:spPr>
-          <p:style>
-            <a:lnRef idx="1">
-              <a:schemeClr val="accent1"/>
-            </a:lnRef>
-            <a:fillRef idx="0">
-              <a:schemeClr val="accent1"/>
-            </a:fillRef>
-            <a:effectRef idx="0">
-              <a:schemeClr val="accent1"/>
-            </a:effectRef>
-            <a:fontRef idx="minor">
+            </a:solidFill>
+          </a:ln>
+        </p:spPr>
+        <p:style>
+          <a:lnRef idx="1">
+            <a:schemeClr val="accent1"/>
+          </a:lnRef>
+          <a:fillRef idx="0">
+            <a:schemeClr val="accent1"/>
+          </a:fillRef>
+          <a:effectRef idx="0">
+            <a:schemeClr val="accent1"/>
+          </a:effectRef>
+          <a:fontRef idx="minor">
+            <a:schemeClr val="tx1"/>
+          </a:fontRef>
+        </p:style>
+      </p:cxnSp>
+      <p:cxnSp>
+        <p:nvCxnSpPr>
+          <p:cNvPr id="47" name="Straight Connector 46"/>
+          <p:cNvCxnSpPr/>
+          <p:nvPr/>
+        </p:nvCxnSpPr>
+        <p:spPr>
+          <a:xfrm>
+            <a:off x="5486400" y="696677"/>
+            <a:ext cx="1600200" cy="2307780"/>
+          </a:xfrm>
+          <a:prstGeom prst="line">
+            <a:avLst/>
+          </a:prstGeom>
+          <a:ln w="12700">
+            <a:solidFill>
               <a:schemeClr val="tx1"/>
-            </a:fontRef>
-          </p:style>
-        </p:cxnSp>
-        <p:cxnSp>
-          <p:nvCxnSpPr>
-            <p:cNvPr id="47" name="Straight Connector 46"/>
-            <p:cNvCxnSpPr/>
-            <p:nvPr/>
-          </p:nvCxnSpPr>
-          <p:spPr>
-            <a:xfrm>
-              <a:off x="5486400" y="696677"/>
-              <a:ext cx="1600200" cy="2307780"/>
-            </a:xfrm>
-            <a:prstGeom prst="line">
-              <a:avLst/>
-            </a:prstGeom>
-            <a:ln w="12700">
-              <a:solidFill>
-                <a:schemeClr val="tx1"/>
-              </a:solidFill>
-            </a:ln>
-          </p:spPr>
-          <p:style>
-            <a:lnRef idx="1">
-              <a:schemeClr val="accent1"/>
-            </a:lnRef>
-            <a:fillRef idx="0">
-              <a:schemeClr val="accent1"/>
-            </a:fillRef>
-            <a:effectRef idx="0">
-              <a:schemeClr val="accent1"/>
-            </a:effectRef>
-            <a:fontRef idx="minor">
-              <a:schemeClr val="tx1"/>
-            </a:fontRef>
-          </p:style>
-        </p:cxnSp>
-      </p:grpSp>
+            </a:solidFill>
+          </a:ln>
+        </p:spPr>
+        <p:style>
+          <a:lnRef idx="1">
+            <a:schemeClr val="accent1"/>
+          </a:lnRef>
+          <a:fillRef idx="0">
+            <a:schemeClr val="accent1"/>
+          </a:fillRef>
+          <a:effectRef idx="0">
+            <a:schemeClr val="accent1"/>
+          </a:effectRef>
+          <a:fontRef idx="minor">
+            <a:schemeClr val="tx1"/>
+          </a:fontRef>
+        </p:style>
+      </p:cxnSp>
     </p:spTree>
     <p:extLst>
       <p:ext uri="{BB962C8B-B14F-4D97-AF65-F5344CB8AC3E}">
         <p14:creationId xmlns:p14="http://schemas.microsoft.com/office/powerpoint/2010/main" val="2391031769"/>
+      </p:ext>
+    </p:extLst>
+  </p:cSld>
+  <p:clrMapOvr>
+    <a:masterClrMapping/>
+  </p:clrMapOvr>
+</p:sld>
+</file>
+
+<file path=ppt/slides/slide2.xml><?xml version="1.0" encoding="utf-8"?>
+<p:sld xmlns:a="http://schemas.openxmlformats.org/drawingml/2006/main" xmlns:r="http://schemas.openxmlformats.org/officeDocument/2006/relationships" xmlns:p="http://schemas.openxmlformats.org/presentationml/2006/main">
+  <p:cSld>
+    <p:spTree>
+      <p:nvGrpSpPr>
+        <p:cNvPr id="1" name=""/>
+        <p:cNvGrpSpPr/>
+        <p:nvPr/>
+      </p:nvGrpSpPr>
+      <p:grpSpPr>
+        <a:xfrm>
+          <a:off x="0" y="0"/>
+          <a:ext cx="0" cy="0"/>
+          <a:chOff x="0" y="0"/>
+          <a:chExt cx="0" cy="0"/>
+        </a:xfrm>
+      </p:grpSpPr>
+      <p:sp>
+        <p:nvSpPr>
+          <p:cNvPr id="5" name="Flowchart: Manual Operation 4"/>
+          <p:cNvSpPr/>
+          <p:nvPr/>
+        </p:nvSpPr>
+        <p:spPr>
+          <a:xfrm>
+            <a:off x="914400" y="985587"/>
+            <a:ext cx="3200400" cy="114300"/>
+          </a:xfrm>
+          <a:prstGeom prst="flowChartManualOperation">
+            <a:avLst/>
+          </a:prstGeom>
+          <a:solidFill>
+            <a:schemeClr val="bg1">
+              <a:lumMod val="65000"/>
+            </a:schemeClr>
+          </a:solidFill>
+          <a:ln>
+            <a:solidFill>
+              <a:schemeClr val="bg1">
+                <a:lumMod val="65000"/>
+              </a:schemeClr>
+            </a:solidFill>
+          </a:ln>
+        </p:spPr>
+        <p:style>
+          <a:lnRef idx="2">
+            <a:schemeClr val="accent1">
+              <a:shade val="50000"/>
+            </a:schemeClr>
+          </a:lnRef>
+          <a:fillRef idx="1">
+            <a:schemeClr val="accent1"/>
+          </a:fillRef>
+          <a:effectRef idx="0">
+            <a:schemeClr val="accent1"/>
+          </a:effectRef>
+          <a:fontRef idx="minor">
+            <a:schemeClr val="lt1"/>
+          </a:fontRef>
+        </p:style>
+        <p:txBody>
+          <a:bodyPr rtlCol="0" anchor="ctr"/>
+          <a:lstStyle/>
+          <a:p>
+            <a:pPr algn="ctr"/>
+            <a:endParaRPr lang="en-US">
+              <a:solidFill>
+                <a:schemeClr val="tx1"/>
+              </a:solidFill>
+            </a:endParaRPr>
+          </a:p>
+        </p:txBody>
+      </p:sp>
+      <p:sp>
+        <p:nvSpPr>
+          <p:cNvPr id="6" name="Flowchart: Manual Operation 5"/>
+          <p:cNvSpPr/>
+          <p:nvPr/>
+        </p:nvSpPr>
+        <p:spPr>
+          <a:xfrm>
+            <a:off x="4953000" y="985587"/>
+            <a:ext cx="3200400" cy="114300"/>
+          </a:xfrm>
+          <a:prstGeom prst="flowChartManualOperation">
+            <a:avLst/>
+          </a:prstGeom>
+          <a:solidFill>
+            <a:schemeClr val="bg1">
+              <a:lumMod val="65000"/>
+            </a:schemeClr>
+          </a:solidFill>
+          <a:ln>
+            <a:solidFill>
+              <a:schemeClr val="bg1">
+                <a:lumMod val="65000"/>
+              </a:schemeClr>
+            </a:solidFill>
+          </a:ln>
+        </p:spPr>
+        <p:style>
+          <a:lnRef idx="2">
+            <a:schemeClr val="accent1">
+              <a:shade val="50000"/>
+            </a:schemeClr>
+          </a:lnRef>
+          <a:fillRef idx="1">
+            <a:schemeClr val="accent1"/>
+          </a:fillRef>
+          <a:effectRef idx="0">
+            <a:schemeClr val="accent1"/>
+          </a:effectRef>
+          <a:fontRef idx="minor">
+            <a:schemeClr val="lt1"/>
+          </a:fontRef>
+        </p:style>
+        <p:txBody>
+          <a:bodyPr rtlCol="0" anchor="ctr"/>
+          <a:lstStyle/>
+          <a:p>
+            <a:pPr algn="ctr"/>
+            <a:endParaRPr lang="en-US">
+              <a:solidFill>
+                <a:schemeClr val="tx1"/>
+              </a:solidFill>
+            </a:endParaRPr>
+          </a:p>
+        </p:txBody>
+      </p:sp>
+      <p:cxnSp>
+        <p:nvCxnSpPr>
+          <p:cNvPr id="7" name="Straight Connector 6"/>
+          <p:cNvCxnSpPr>
+            <a:stCxn id="5" idx="2"/>
+          </p:cNvCxnSpPr>
+          <p:nvPr/>
+        </p:nvCxnSpPr>
+        <p:spPr>
+          <a:xfrm>
+            <a:off x="2514600" y="1099887"/>
+            <a:ext cx="0" cy="342900"/>
+          </a:xfrm>
+          <a:prstGeom prst="line">
+            <a:avLst/>
+          </a:prstGeom>
+          <a:ln w="31750">
+            <a:solidFill>
+              <a:schemeClr val="tx1"/>
+            </a:solidFill>
+          </a:ln>
+        </p:spPr>
+        <p:style>
+          <a:lnRef idx="1">
+            <a:schemeClr val="accent1"/>
+          </a:lnRef>
+          <a:fillRef idx="0">
+            <a:schemeClr val="accent1"/>
+          </a:fillRef>
+          <a:effectRef idx="0">
+            <a:schemeClr val="accent1"/>
+          </a:effectRef>
+          <a:fontRef idx="minor">
+            <a:schemeClr val="tx1"/>
+          </a:fontRef>
+        </p:style>
+      </p:cxnSp>
+      <p:cxnSp>
+        <p:nvCxnSpPr>
+          <p:cNvPr id="8" name="Straight Connector 7"/>
+          <p:cNvCxnSpPr/>
+          <p:nvPr/>
+        </p:nvCxnSpPr>
+        <p:spPr>
+          <a:xfrm>
+            <a:off x="6553200" y="1099887"/>
+            <a:ext cx="0" cy="342900"/>
+          </a:xfrm>
+          <a:prstGeom prst="line">
+            <a:avLst/>
+          </a:prstGeom>
+          <a:ln w="31750">
+            <a:solidFill>
+              <a:schemeClr val="tx1"/>
+            </a:solidFill>
+          </a:ln>
+        </p:spPr>
+        <p:style>
+          <a:lnRef idx="1">
+            <a:schemeClr val="accent1"/>
+          </a:lnRef>
+          <a:fillRef idx="0">
+            <a:schemeClr val="accent1"/>
+          </a:fillRef>
+          <a:effectRef idx="0">
+            <a:schemeClr val="accent1"/>
+          </a:effectRef>
+          <a:fontRef idx="minor">
+            <a:schemeClr val="tx1"/>
+          </a:fontRef>
+        </p:style>
+      </p:cxnSp>
+      <p:cxnSp>
+        <p:nvCxnSpPr>
+          <p:cNvPr id="9" name="Straight Connector 8"/>
+          <p:cNvCxnSpPr/>
+          <p:nvPr/>
+        </p:nvCxnSpPr>
+        <p:spPr>
+          <a:xfrm flipH="1">
+            <a:off x="2514600" y="1437440"/>
+            <a:ext cx="4038602" cy="0"/>
+          </a:xfrm>
+          <a:prstGeom prst="line">
+            <a:avLst/>
+          </a:prstGeom>
+          <a:ln w="38100">
+            <a:solidFill>
+              <a:schemeClr val="tx1"/>
+            </a:solidFill>
+          </a:ln>
+        </p:spPr>
+        <p:style>
+          <a:lnRef idx="1">
+            <a:schemeClr val="accent1"/>
+          </a:lnRef>
+          <a:fillRef idx="0">
+            <a:schemeClr val="accent1"/>
+          </a:fillRef>
+          <a:effectRef idx="0">
+            <a:schemeClr val="accent1"/>
+          </a:effectRef>
+          <a:fontRef idx="minor">
+            <a:schemeClr val="tx1"/>
+          </a:fontRef>
+        </p:style>
+      </p:cxnSp>
+      <p:sp>
+        <p:nvSpPr>
+          <p:cNvPr id="10" name="Isosceles Triangle 9"/>
+          <p:cNvSpPr/>
+          <p:nvPr/>
+        </p:nvSpPr>
+        <p:spPr>
+          <a:xfrm>
+            <a:off x="4424947" y="1442787"/>
+            <a:ext cx="304800" cy="304800"/>
+          </a:xfrm>
+          <a:prstGeom prst="triangle">
+            <a:avLst/>
+          </a:prstGeom>
+          <a:solidFill>
+            <a:schemeClr val="bg1">
+              <a:lumMod val="65000"/>
+            </a:schemeClr>
+          </a:solidFill>
+          <a:ln>
+            <a:solidFill>
+              <a:schemeClr val="bg1">
+                <a:lumMod val="65000"/>
+              </a:schemeClr>
+            </a:solidFill>
+          </a:ln>
+        </p:spPr>
+        <p:style>
+          <a:lnRef idx="2">
+            <a:schemeClr val="accent1">
+              <a:shade val="50000"/>
+            </a:schemeClr>
+          </a:lnRef>
+          <a:fillRef idx="1">
+            <a:schemeClr val="accent1"/>
+          </a:fillRef>
+          <a:effectRef idx="0">
+            <a:schemeClr val="accent1"/>
+          </a:effectRef>
+          <a:fontRef idx="minor">
+            <a:schemeClr val="lt1"/>
+          </a:fontRef>
+        </p:style>
+        <p:txBody>
+          <a:bodyPr rtlCol="0" anchor="ctr"/>
+          <a:lstStyle/>
+          <a:p>
+            <a:pPr algn="ctr"/>
+            <a:endParaRPr lang="en-US" dirty="0"/>
+          </a:p>
+        </p:txBody>
+      </p:sp>
+    </p:spTree>
+    <p:extLst>
+      <p:ext uri="{BB962C8B-B14F-4D97-AF65-F5344CB8AC3E}">
+        <p14:creationId xmlns:p14="http://schemas.microsoft.com/office/powerpoint/2010/main" val="3362652102"/>
       </p:ext>
     </p:extLst>
   </p:cSld>

--- a/image_sources/images.pptx
+++ b/image_sources/images.pptx
@@ -7,6 +7,7 @@
   <p:sldIdLst>
     <p:sldId id="256" r:id="rId2"/>
     <p:sldId id="257" r:id="rId3"/>
+    <p:sldId id="258" r:id="rId4"/>
   </p:sldIdLst>
   <p:sldSz cx="9144000" cy="6858000" type="screen4x3"/>
   <p:notesSz cx="6858000" cy="9144000"/>
@@ -289,7 +290,7 @@
           <a:p>
             <a:fld id="{68DAA921-9732-4FD7-93C2-6CA88F8B2C60}" type="datetimeFigureOut">
               <a:rPr lang="en-US" smtClean="0"/>
-              <a:t>11/10/2018</a:t>
+              <a:t>11/16/2018</a:t>
             </a:fld>
             <a:endParaRPr lang="en-US"/>
           </a:p>
@@ -459,7 +460,7 @@
           <a:p>
             <a:fld id="{68DAA921-9732-4FD7-93C2-6CA88F8B2C60}" type="datetimeFigureOut">
               <a:rPr lang="en-US" smtClean="0"/>
-              <a:t>11/10/2018</a:t>
+              <a:t>11/16/2018</a:t>
             </a:fld>
             <a:endParaRPr lang="en-US"/>
           </a:p>
@@ -639,7 +640,7 @@
           <a:p>
             <a:fld id="{68DAA921-9732-4FD7-93C2-6CA88F8B2C60}" type="datetimeFigureOut">
               <a:rPr lang="en-US" smtClean="0"/>
-              <a:t>11/10/2018</a:t>
+              <a:t>11/16/2018</a:t>
             </a:fld>
             <a:endParaRPr lang="en-US"/>
           </a:p>
@@ -809,7 +810,7 @@
           <a:p>
             <a:fld id="{68DAA921-9732-4FD7-93C2-6CA88F8B2C60}" type="datetimeFigureOut">
               <a:rPr lang="en-US" smtClean="0"/>
-              <a:t>11/10/2018</a:t>
+              <a:t>11/16/2018</a:t>
             </a:fld>
             <a:endParaRPr lang="en-US"/>
           </a:p>
@@ -1055,7 +1056,7 @@
           <a:p>
             <a:fld id="{68DAA921-9732-4FD7-93C2-6CA88F8B2C60}" type="datetimeFigureOut">
               <a:rPr lang="en-US" smtClean="0"/>
-              <a:t>11/10/2018</a:t>
+              <a:t>11/16/2018</a:t>
             </a:fld>
             <a:endParaRPr lang="en-US"/>
           </a:p>
@@ -1343,7 +1344,7 @@
           <a:p>
             <a:fld id="{68DAA921-9732-4FD7-93C2-6CA88F8B2C60}" type="datetimeFigureOut">
               <a:rPr lang="en-US" smtClean="0"/>
-              <a:t>11/10/2018</a:t>
+              <a:t>11/16/2018</a:t>
             </a:fld>
             <a:endParaRPr lang="en-US"/>
           </a:p>
@@ -1765,7 +1766,7 @@
           <a:p>
             <a:fld id="{68DAA921-9732-4FD7-93C2-6CA88F8B2C60}" type="datetimeFigureOut">
               <a:rPr lang="en-US" smtClean="0"/>
-              <a:t>11/10/2018</a:t>
+              <a:t>11/16/2018</a:t>
             </a:fld>
             <a:endParaRPr lang="en-US"/>
           </a:p>
@@ -1883,7 +1884,7 @@
           <a:p>
             <a:fld id="{68DAA921-9732-4FD7-93C2-6CA88F8B2C60}" type="datetimeFigureOut">
               <a:rPr lang="en-US" smtClean="0"/>
-              <a:t>11/10/2018</a:t>
+              <a:t>11/16/2018</a:t>
             </a:fld>
             <a:endParaRPr lang="en-US"/>
           </a:p>
@@ -1978,7 +1979,7 @@
           <a:p>
             <a:fld id="{68DAA921-9732-4FD7-93C2-6CA88F8B2C60}" type="datetimeFigureOut">
               <a:rPr lang="en-US" smtClean="0"/>
-              <a:t>11/10/2018</a:t>
+              <a:t>11/16/2018</a:t>
             </a:fld>
             <a:endParaRPr lang="en-US"/>
           </a:p>
@@ -2255,7 +2256,7 @@
           <a:p>
             <a:fld id="{68DAA921-9732-4FD7-93C2-6CA88F8B2C60}" type="datetimeFigureOut">
               <a:rPr lang="en-US" smtClean="0"/>
-              <a:t>11/10/2018</a:t>
+              <a:t>11/16/2018</a:t>
             </a:fld>
             <a:endParaRPr lang="en-US"/>
           </a:p>
@@ -2508,7 +2509,7 @@
           <a:p>
             <a:fld id="{68DAA921-9732-4FD7-93C2-6CA88F8B2C60}" type="datetimeFigureOut">
               <a:rPr lang="en-US" smtClean="0"/>
-              <a:t>11/10/2018</a:t>
+              <a:t>11/16/2018</a:t>
             </a:fld>
             <a:endParaRPr lang="en-US"/>
           </a:p>
@@ -2721,7 +2722,7 @@
           <a:p>
             <a:fld id="{68DAA921-9732-4FD7-93C2-6CA88F8B2C60}" type="datetimeFigureOut">
               <a:rPr lang="en-US" smtClean="0"/>
-              <a:t>11/10/2018</a:t>
+              <a:t>11/16/2018</a:t>
             </a:fld>
             <a:endParaRPr lang="en-US"/>
           </a:p>
@@ -3810,6 +3811,66 @@
     <p:extLst>
       <p:ext uri="{BB962C8B-B14F-4D97-AF65-F5344CB8AC3E}">
         <p14:creationId xmlns:p14="http://schemas.microsoft.com/office/powerpoint/2010/main" val="3362652102"/>
+      </p:ext>
+    </p:extLst>
+  </p:cSld>
+  <p:clrMapOvr>
+    <a:masterClrMapping/>
+  </p:clrMapOvr>
+</p:sld>
+</file>
+
+<file path=ppt/slides/slide3.xml><?xml version="1.0" encoding="utf-8"?>
+<p:sld xmlns:a="http://schemas.openxmlformats.org/drawingml/2006/main" xmlns:r="http://schemas.openxmlformats.org/officeDocument/2006/relationships" xmlns:p="http://schemas.openxmlformats.org/presentationml/2006/main">
+  <p:cSld>
+    <p:spTree>
+      <p:nvGrpSpPr>
+        <p:cNvPr id="1" name=""/>
+        <p:cNvGrpSpPr/>
+        <p:nvPr/>
+      </p:nvGrpSpPr>
+      <p:grpSpPr>
+        <a:xfrm>
+          <a:off x="0" y="0"/>
+          <a:ext cx="0" cy="0"/>
+          <a:chOff x="0" y="0"/>
+          <a:chExt cx="0" cy="0"/>
+        </a:xfrm>
+      </p:grpSpPr>
+      <p:sp>
+        <p:nvSpPr>
+          <p:cNvPr id="4" name="TextBox 3"/>
+          <p:cNvSpPr txBox="1"/>
+          <p:nvPr/>
+        </p:nvSpPr>
+        <p:spPr>
+          <a:xfrm>
+            <a:off x="914400" y="1295400"/>
+            <a:ext cx="389850" cy="584775"/>
+          </a:xfrm>
+          <a:prstGeom prst="rect">
+            <a:avLst/>
+          </a:prstGeom>
+          <a:noFill/>
+        </p:spPr>
+        <p:txBody>
+          <a:bodyPr wrap="none" rtlCol="0">
+            <a:spAutoFit/>
+          </a:bodyPr>
+          <a:lstStyle/>
+          <a:p>
+            <a:r>
+              <a:rPr lang="en-US" sz="3200" dirty="0" smtClean="0"/>
+              <a:t>=</a:t>
+            </a:r>
+            <a:endParaRPr lang="en-US" sz="3200" dirty="0"/>
+          </a:p>
+        </p:txBody>
+      </p:sp>
+    </p:spTree>
+    <p:extLst>
+      <p:ext uri="{BB962C8B-B14F-4D97-AF65-F5344CB8AC3E}">
+        <p14:creationId xmlns:p14="http://schemas.microsoft.com/office/powerpoint/2010/main" val="628342508"/>
       </p:ext>
     </p:extLst>
   </p:cSld>

--- a/image_sources/images.pptx
+++ b/image_sources/images.pptx
@@ -290,7 +290,7 @@
           <a:p>
             <a:fld id="{68DAA921-9732-4FD7-93C2-6CA88F8B2C60}" type="datetimeFigureOut">
               <a:rPr lang="en-US" smtClean="0"/>
-              <a:t>11/16/2018</a:t>
+              <a:t>11/17/2018</a:t>
             </a:fld>
             <a:endParaRPr lang="en-US"/>
           </a:p>
@@ -460,7 +460,7 @@
           <a:p>
             <a:fld id="{68DAA921-9732-4FD7-93C2-6CA88F8B2C60}" type="datetimeFigureOut">
               <a:rPr lang="en-US" smtClean="0"/>
-              <a:t>11/16/2018</a:t>
+              <a:t>11/17/2018</a:t>
             </a:fld>
             <a:endParaRPr lang="en-US"/>
           </a:p>
@@ -640,7 +640,7 @@
           <a:p>
             <a:fld id="{68DAA921-9732-4FD7-93C2-6CA88F8B2C60}" type="datetimeFigureOut">
               <a:rPr lang="en-US" smtClean="0"/>
-              <a:t>11/16/2018</a:t>
+              <a:t>11/17/2018</a:t>
             </a:fld>
             <a:endParaRPr lang="en-US"/>
           </a:p>
@@ -810,7 +810,7 @@
           <a:p>
             <a:fld id="{68DAA921-9732-4FD7-93C2-6CA88F8B2C60}" type="datetimeFigureOut">
               <a:rPr lang="en-US" smtClean="0"/>
-              <a:t>11/16/2018</a:t>
+              <a:t>11/17/2018</a:t>
             </a:fld>
             <a:endParaRPr lang="en-US"/>
           </a:p>
@@ -1056,7 +1056,7 @@
           <a:p>
             <a:fld id="{68DAA921-9732-4FD7-93C2-6CA88F8B2C60}" type="datetimeFigureOut">
               <a:rPr lang="en-US" smtClean="0"/>
-              <a:t>11/16/2018</a:t>
+              <a:t>11/17/2018</a:t>
             </a:fld>
             <a:endParaRPr lang="en-US"/>
           </a:p>
@@ -1344,7 +1344,7 @@
           <a:p>
             <a:fld id="{68DAA921-9732-4FD7-93C2-6CA88F8B2C60}" type="datetimeFigureOut">
               <a:rPr lang="en-US" smtClean="0"/>
-              <a:t>11/16/2018</a:t>
+              <a:t>11/17/2018</a:t>
             </a:fld>
             <a:endParaRPr lang="en-US"/>
           </a:p>
@@ -1766,7 +1766,7 @@
           <a:p>
             <a:fld id="{68DAA921-9732-4FD7-93C2-6CA88F8B2C60}" type="datetimeFigureOut">
               <a:rPr lang="en-US" smtClean="0"/>
-              <a:t>11/16/2018</a:t>
+              <a:t>11/17/2018</a:t>
             </a:fld>
             <a:endParaRPr lang="en-US"/>
           </a:p>
@@ -1884,7 +1884,7 @@
           <a:p>
             <a:fld id="{68DAA921-9732-4FD7-93C2-6CA88F8B2C60}" type="datetimeFigureOut">
               <a:rPr lang="en-US" smtClean="0"/>
-              <a:t>11/16/2018</a:t>
+              <a:t>11/17/2018</a:t>
             </a:fld>
             <a:endParaRPr lang="en-US"/>
           </a:p>
@@ -1979,7 +1979,7 @@
           <a:p>
             <a:fld id="{68DAA921-9732-4FD7-93C2-6CA88F8B2C60}" type="datetimeFigureOut">
               <a:rPr lang="en-US" smtClean="0"/>
-              <a:t>11/16/2018</a:t>
+              <a:t>11/17/2018</a:t>
             </a:fld>
             <a:endParaRPr lang="en-US"/>
           </a:p>
@@ -2256,7 +2256,7 @@
           <a:p>
             <a:fld id="{68DAA921-9732-4FD7-93C2-6CA88F8B2C60}" type="datetimeFigureOut">
               <a:rPr lang="en-US" smtClean="0"/>
-              <a:t>11/16/2018</a:t>
+              <a:t>11/17/2018</a:t>
             </a:fld>
             <a:endParaRPr lang="en-US"/>
           </a:p>
@@ -2509,7 +2509,7 @@
           <a:p>
             <a:fld id="{68DAA921-9732-4FD7-93C2-6CA88F8B2C60}" type="datetimeFigureOut">
               <a:rPr lang="en-US" smtClean="0"/>
-              <a:t>11/16/2018</a:t>
+              <a:t>11/17/2018</a:t>
             </a:fld>
             <a:endParaRPr lang="en-US"/>
           </a:p>
@@ -2722,7 +2722,7 @@
           <a:p>
             <a:fld id="{68DAA921-9732-4FD7-93C2-6CA88F8B2C60}" type="datetimeFigureOut">
               <a:rPr lang="en-US" smtClean="0"/>
-              <a:t>11/16/2018</a:t>
+              <a:t>11/17/2018</a:t>
             </a:fld>
             <a:endParaRPr lang="en-US"/>
           </a:p>
@@ -3845,7 +3845,7 @@
         </p:nvSpPr>
         <p:spPr>
           <a:xfrm>
-            <a:off x="914400" y="1295400"/>
+            <a:off x="4648200" y="1447800"/>
             <a:ext cx="389850" cy="584775"/>
           </a:xfrm>
           <a:prstGeom prst="rect">
@@ -3861,9 +3861,170 @@
           <a:p>
             <a:r>
               <a:rPr lang="en-US" sz="3200" dirty="0" smtClean="0"/>
+              <a:t>&lt;</a:t>
+            </a:r>
+            <a:endParaRPr lang="en-US" sz="3200" dirty="0"/>
+          </a:p>
+        </p:txBody>
+      </p:sp>
+      <p:sp>
+        <p:nvSpPr>
+          <p:cNvPr id="3" name="TextBox 2"/>
+          <p:cNvSpPr txBox="1"/>
+          <p:nvPr/>
+        </p:nvSpPr>
+        <p:spPr>
+          <a:xfrm>
+            <a:off x="2590800" y="1447800"/>
+            <a:ext cx="389850" cy="584775"/>
+          </a:xfrm>
+          <a:prstGeom prst="rect">
+            <a:avLst/>
+          </a:prstGeom>
+          <a:noFill/>
+        </p:spPr>
+        <p:txBody>
+          <a:bodyPr wrap="none" rtlCol="0">
+            <a:spAutoFit/>
+          </a:bodyPr>
+          <a:lstStyle/>
+          <a:p>
+            <a:r>
+              <a:rPr lang="en-US" sz="3200" dirty="0" smtClean="0"/>
+              <a:t>&gt;</a:t>
+            </a:r>
+            <a:endParaRPr lang="en-US" sz="3200" dirty="0"/>
+          </a:p>
+        </p:txBody>
+      </p:sp>
+      <p:sp>
+        <p:nvSpPr>
+          <p:cNvPr id="5" name="TextBox 4"/>
+          <p:cNvSpPr txBox="1"/>
+          <p:nvPr/>
+        </p:nvSpPr>
+        <p:spPr>
+          <a:xfrm>
+            <a:off x="1066800" y="1447800"/>
+            <a:ext cx="389850" cy="584775"/>
+          </a:xfrm>
+          <a:prstGeom prst="rect">
+            <a:avLst/>
+          </a:prstGeom>
+          <a:noFill/>
+        </p:spPr>
+        <p:txBody>
+          <a:bodyPr wrap="none" rtlCol="0">
+            <a:spAutoFit/>
+          </a:bodyPr>
+          <a:lstStyle/>
+          <a:p>
+            <a:r>
+              <a:rPr lang="en-US" sz="3200" dirty="0" smtClean="0"/>
               <a:t>=</a:t>
             </a:r>
             <a:endParaRPr lang="en-US" sz="3200" dirty="0"/>
+          </a:p>
+        </p:txBody>
+      </p:sp>
+      <p:sp>
+        <p:nvSpPr>
+          <p:cNvPr id="2" name="Hexagon 1"/>
+          <p:cNvSpPr/>
+          <p:nvPr/>
+        </p:nvSpPr>
+        <p:spPr>
+          <a:xfrm>
+            <a:off x="6172200" y="1447800"/>
+            <a:ext cx="609600" cy="584775"/>
+          </a:xfrm>
+          <a:prstGeom prst="hexagon">
+            <a:avLst/>
+          </a:prstGeom>
+          <a:pattFill prst="zigZag">
+            <a:fgClr>
+              <a:schemeClr val="tx1"/>
+            </a:fgClr>
+            <a:bgClr>
+              <a:schemeClr val="bg1"/>
+            </a:bgClr>
+          </a:pattFill>
+          <a:ln>
+            <a:solidFill>
+              <a:schemeClr val="tx1"/>
+            </a:solidFill>
+          </a:ln>
+        </p:spPr>
+        <p:style>
+          <a:lnRef idx="2">
+            <a:schemeClr val="accent1">
+              <a:shade val="50000"/>
+            </a:schemeClr>
+          </a:lnRef>
+          <a:fillRef idx="1">
+            <a:schemeClr val="accent1"/>
+          </a:fillRef>
+          <a:effectRef idx="0">
+            <a:schemeClr val="accent1"/>
+          </a:effectRef>
+          <a:fontRef idx="minor">
+            <a:schemeClr val="lt1"/>
+          </a:fontRef>
+        </p:style>
+        <p:txBody>
+          <a:bodyPr rtlCol="0" anchor="ctr"/>
+          <a:lstStyle/>
+          <a:p>
+            <a:pPr algn="ctr"/>
+            <a:endParaRPr lang="en-US"/>
+          </a:p>
+        </p:txBody>
+      </p:sp>
+      <p:sp>
+        <p:nvSpPr>
+          <p:cNvPr id="7" name="Diamond 6"/>
+          <p:cNvSpPr/>
+          <p:nvPr/>
+        </p:nvSpPr>
+        <p:spPr>
+          <a:xfrm>
+            <a:off x="7543800" y="1447800"/>
+            <a:ext cx="609600" cy="584775"/>
+          </a:xfrm>
+          <a:prstGeom prst="diamond">
+            <a:avLst/>
+          </a:prstGeom>
+          <a:solidFill>
+            <a:schemeClr val="tx1"/>
+          </a:solidFill>
+          <a:ln>
+            <a:solidFill>
+              <a:schemeClr val="tx1"/>
+            </a:solidFill>
+          </a:ln>
+        </p:spPr>
+        <p:style>
+          <a:lnRef idx="2">
+            <a:schemeClr val="accent1">
+              <a:shade val="50000"/>
+            </a:schemeClr>
+          </a:lnRef>
+          <a:fillRef idx="1">
+            <a:schemeClr val="accent1"/>
+          </a:fillRef>
+          <a:effectRef idx="0">
+            <a:schemeClr val="accent1"/>
+          </a:effectRef>
+          <a:fontRef idx="minor">
+            <a:schemeClr val="lt1"/>
+          </a:fontRef>
+        </p:style>
+        <p:txBody>
+          <a:bodyPr rtlCol="0" anchor="ctr"/>
+          <a:lstStyle/>
+          <a:p>
+            <a:pPr algn="ctr"/>
+            <a:endParaRPr lang="en-US"/>
           </a:p>
         </p:txBody>
       </p:sp>
